--- a/img/pfs.pptx
+++ b/img/pfs.pptx
@@ -151,7 +151,7 @@
       </p14:sectionLst>
     </p:ext>
     <p:ext uri="{EFAFB233-063F-42B5-8137-9DF3F51BA10A}">
-      <p15:sldGuideLst xmlns:p15="http://schemas.microsoft.com/office/powerpoint/2012/main" xmlns="">
+      <p15:sldGuideLst xmlns="" xmlns:p15="http://schemas.microsoft.com/office/powerpoint/2012/main">
         <p15:guide id="1" orient="horz" pos="2160">
           <p15:clr>
             <a:srgbClr val="A4A3A4"/>
@@ -165,7 +165,7 @@
       </p15:sldGuideLst>
     </p:ext>
     <p:ext uri="{2D200454-40CA-4A62-9FC3-DE9A4176ACB9}">
-      <p15:notesGuideLst xmlns:p15="http://schemas.microsoft.com/office/powerpoint/2012/main" xmlns="">
+      <p15:notesGuideLst xmlns="" xmlns:p15="http://schemas.microsoft.com/office/powerpoint/2012/main">
         <p15:guide id="1" orient="horz" pos="3223">
           <p15:clr>
             <a:srgbClr val="A4A3A4"/>
@@ -1963,7 +1963,7 @@
           <a:prstGeom prst="straightConnector1">
             <a:avLst/>
           </a:prstGeom>
-          <a:ln w="9525">
+          <a:ln w="3175">
             <a:solidFill>
               <a:schemeClr val="tx1"/>
             </a:solidFill>
@@ -1995,7 +1995,7 @@
         <p:spPr>
           <a:xfrm>
             <a:off x="173480" y="1335509"/>
-            <a:ext cx="617477" cy="276999"/>
+            <a:ext cx="564578" cy="253916"/>
           </a:xfrm>
           <a:prstGeom prst="rect">
             <a:avLst/>
@@ -2013,7 +2013,7 @@
           <a:lstStyle/>
           <a:p>
             <a:r>
-              <a:rPr lang="en-US" altLang="ja-JP" sz="1200" smtClean="0">
+              <a:rPr lang="en-US" altLang="ja-JP" sz="1050" smtClean="0">
                 <a:latin typeface="HG丸ｺﾞｼｯｸM-PRO" panose="020F0600000000000000" pitchFamily="50" charset="-128"/>
                 <a:ea typeface="HG丸ｺﾞｼｯｸM-PRO" panose="020F0600000000000000" pitchFamily="50" charset="-128"/>
                 <a:cs typeface="Courier New" pitchFamily="49" charset="0"/>
@@ -2021,14 +2021,14 @@
               <a:t>A</a:t>
             </a:r>
             <a:r>
-              <a:rPr lang="ja-JP" altLang="en-US" sz="1200" smtClean="0">
+              <a:rPr lang="ja-JP" altLang="en-US" sz="1050" smtClean="0">
                 <a:latin typeface="HG丸ｺﾞｼｯｸM-PRO" panose="020F0600000000000000" pitchFamily="50" charset="-128"/>
                 <a:ea typeface="HG丸ｺﾞｼｯｸM-PRO" panose="020F0600000000000000" pitchFamily="50" charset="-128"/>
                 <a:cs typeface="Courier New" pitchFamily="49" charset="0"/>
               </a:rPr>
               <a:t>さん</a:t>
             </a:r>
-            <a:endParaRPr lang="ja-JP" altLang="en-US" sz="1200">
+            <a:endParaRPr lang="ja-JP" altLang="en-US" sz="1050">
               <a:latin typeface="HG丸ｺﾞｼｯｸM-PRO" panose="020F0600000000000000" pitchFamily="50" charset="-128"/>
               <a:ea typeface="HG丸ｺﾞｼｯｸM-PRO" panose="020F0600000000000000" pitchFamily="50" charset="-128"/>
               <a:cs typeface="Courier New" pitchFamily="49" charset="0"/>
@@ -2045,7 +2045,7 @@
         <p:spPr>
           <a:xfrm>
             <a:off x="3432194" y="1335509"/>
-            <a:ext cx="607859" cy="276999"/>
+            <a:ext cx="554960" cy="253916"/>
           </a:xfrm>
           <a:prstGeom prst="rect">
             <a:avLst/>
@@ -2063,7 +2063,7 @@
           <a:lstStyle/>
           <a:p>
             <a:r>
-              <a:rPr lang="en-US" altLang="ja-JP" sz="1200" smtClean="0">
+              <a:rPr lang="en-US" altLang="ja-JP" sz="1050" smtClean="0">
                 <a:latin typeface="HG丸ｺﾞｼｯｸM-PRO" panose="020F0600000000000000" pitchFamily="50" charset="-128"/>
                 <a:ea typeface="HG丸ｺﾞｼｯｸM-PRO" panose="020F0600000000000000" pitchFamily="50" charset="-128"/>
                 <a:cs typeface="Courier New" pitchFamily="49" charset="0"/>
@@ -2071,14 +2071,14 @@
               <a:t>B</a:t>
             </a:r>
             <a:r>
-              <a:rPr lang="ja-JP" altLang="en-US" sz="1200" smtClean="0">
+              <a:rPr lang="ja-JP" altLang="en-US" sz="1050" smtClean="0">
                 <a:latin typeface="HG丸ｺﾞｼｯｸM-PRO" panose="020F0600000000000000" pitchFamily="50" charset="-128"/>
                 <a:ea typeface="HG丸ｺﾞｼｯｸM-PRO" panose="020F0600000000000000" pitchFamily="50" charset="-128"/>
                 <a:cs typeface="Courier New" pitchFamily="49" charset="0"/>
               </a:rPr>
               <a:t>さん</a:t>
             </a:r>
-            <a:endParaRPr lang="ja-JP" altLang="en-US" sz="1200">
+            <a:endParaRPr lang="ja-JP" altLang="en-US" sz="1050">
               <a:latin typeface="HG丸ｺﾞｼｯｸM-PRO" panose="020F0600000000000000" pitchFamily="50" charset="-128"/>
               <a:ea typeface="HG丸ｺﾞｼｯｸM-PRO" panose="020F0600000000000000" pitchFamily="50" charset="-128"/>
               <a:cs typeface="Courier New" pitchFamily="49" charset="0"/>
@@ -2086,8 +2086,8 @@
           </a:p>
         </p:txBody>
       </p:sp>
-      <mc:AlternateContent xmlns:mc="http://schemas.openxmlformats.org/markup-compatibility/2006">
-        <mc:Choice xmlns:a14="http://schemas.microsoft.com/office/drawing/2010/main" Requires="a14">
+      <mc:AlternateContent xmlns:mc="http://schemas.openxmlformats.org/markup-compatibility/2006" xmlns:a14="http://schemas.microsoft.com/office/drawing/2010/main">
+        <mc:Choice Requires="a14">
           <p:sp>
             <p:nvSpPr>
               <p:cNvPr id="15" name="テキスト ボックス 14"/>
@@ -2097,7 +2097,7 @@
             <p:spPr>
               <a:xfrm>
                 <a:off x="50286" y="1733030"/>
-                <a:ext cx="936000" cy="276999"/>
+                <a:ext cx="936000" cy="253916"/>
               </a:xfrm>
               <a:prstGeom prst="rect">
                 <a:avLst/>
@@ -2124,7 +2124,7 @@
                       <m:sSup>
                         <m:sSupPr>
                           <m:ctrlPr>
-                            <a:rPr lang="en-US" altLang="ja-JP" sz="1200" b="0" i="1" smtClean="0">
+                            <a:rPr lang="en-US" altLang="ja-JP" sz="1050" b="0" i="1" smtClean="0">
                               <a:latin typeface="Cambria Math"/>
                               <a:ea typeface="HG丸ｺﾞｼｯｸM-PRO" panose="020F0600000000000000" pitchFamily="50" charset="-128"/>
                               <a:cs typeface="Courier New" pitchFamily="49" charset="0"/>
@@ -2133,7 +2133,7 @@
                         </m:sSupPr>
                         <m:e>
                           <m:r>
-                            <a:rPr lang="en-US" altLang="ja-JP" sz="1200" b="0" i="1" smtClean="0">
+                            <a:rPr lang="en-US" altLang="ja-JP" sz="1050" b="0" i="1" smtClean="0">
                               <a:latin typeface="Cambria Math"/>
                               <a:ea typeface="HG丸ｺﾞｼｯｸM-PRO" panose="020F0600000000000000" pitchFamily="50" charset="-128"/>
                               <a:cs typeface="Courier New" pitchFamily="49" charset="0"/>
@@ -2143,7 +2143,7 @@
                         </m:e>
                         <m:sup>
                           <m:r>
-                            <a:rPr lang="en-US" altLang="ja-JP" sz="1200" b="0" i="1" smtClean="0">
+                            <a:rPr lang="en-US" altLang="ja-JP" sz="1050" b="0" i="1" smtClean="0">
                               <a:latin typeface="Cambria Math"/>
                               <a:ea typeface="HG丸ｺﾞｼｯｸM-PRO" panose="020F0600000000000000" pitchFamily="50" charset="-128"/>
                               <a:cs typeface="Courier New" pitchFamily="49" charset="0"/>
@@ -2155,7 +2155,7 @@
                     </m:oMath>
                   </m:oMathPara>
                 </a14:m>
-                <a:endParaRPr lang="ja-JP" altLang="en-US" sz="1200">
+                <a:endParaRPr lang="ja-JP" altLang="en-US" sz="1050">
                   <a:latin typeface="HG丸ｺﾞｼｯｸM-PRO" panose="020F0600000000000000" pitchFamily="50" charset="-128"/>
                   <a:ea typeface="HG丸ｺﾞｼｯｸM-PRO" panose="020F0600000000000000" pitchFamily="50" charset="-128"/>
                   <a:cs typeface="Courier New" pitchFamily="49" charset="0"/>
@@ -2164,7 +2164,7 @@
             </p:txBody>
           </p:sp>
         </mc:Choice>
-        <mc:Fallback>
+        <mc:Fallback xmlns="">
           <p:sp>
             <p:nvSpPr>
               <p:cNvPr id="15" name="テキスト ボックス 14"/>
@@ -2176,7 +2176,7 @@
             <p:spPr>
               <a:xfrm>
                 <a:off x="50286" y="1733030"/>
-                <a:ext cx="936000" cy="276999"/>
+                <a:ext cx="936000" cy="253916"/>
               </a:xfrm>
               <a:prstGeom prst="rect">
                 <a:avLst/>
@@ -2207,8 +2207,8 @@
           </p:sp>
         </mc:Fallback>
       </mc:AlternateContent>
-      <mc:AlternateContent xmlns:mc="http://schemas.openxmlformats.org/markup-compatibility/2006">
-        <mc:Choice xmlns:a14="http://schemas.microsoft.com/office/drawing/2010/main" Requires="a14">
+      <mc:AlternateContent xmlns:mc="http://schemas.openxmlformats.org/markup-compatibility/2006" xmlns:a14="http://schemas.microsoft.com/office/drawing/2010/main">
+        <mc:Choice Requires="a14">
           <p:sp>
             <p:nvSpPr>
               <p:cNvPr id="17" name="テキスト ボックス 16"/>
@@ -2218,7 +2218,7 @@
             <p:spPr>
               <a:xfrm>
                 <a:off x="0" y="2140447"/>
-                <a:ext cx="936000" cy="309637"/>
+                <a:ext cx="936000" cy="282385"/>
               </a:xfrm>
               <a:prstGeom prst="rect">
                 <a:avLst/>
@@ -2243,7 +2243,7 @@
                     </m:oMathParaPr>
                     <m:oMath xmlns:m="http://schemas.openxmlformats.org/officeDocument/2006/math">
                       <m:r>
-                        <a:rPr lang="en-US" altLang="ja-JP" sz="1200" b="0" i="1" smtClean="0">
+                        <a:rPr lang="en-US" altLang="ja-JP" sz="1050" b="0" i="1" smtClean="0">
                           <a:latin typeface="Cambria Math"/>
                           <a:ea typeface="HG丸ｺﾞｼｯｸM-PRO" panose="020F0600000000000000" pitchFamily="50" charset="-128"/>
                           <a:cs typeface="Courier New" pitchFamily="49" charset="0"/>
@@ -2253,7 +2253,7 @@
                       <m:sSub>
                         <m:sSubPr>
                           <m:ctrlPr>
-                            <a:rPr lang="en-US" altLang="ja-JP" sz="1200" b="0" i="1" smtClean="0">
+                            <a:rPr lang="en-US" altLang="ja-JP" sz="1050" b="0" i="1" smtClean="0">
                               <a:latin typeface="Cambria Math"/>
                               <a:ea typeface="HG丸ｺﾞｼｯｸM-PRO" panose="020F0600000000000000" pitchFamily="50" charset="-128"/>
                               <a:cs typeface="Courier New" pitchFamily="49" charset="0"/>
@@ -2262,7 +2262,7 @@
                         </m:sSubPr>
                         <m:e>
                           <m:r>
-                            <a:rPr lang="en-US" altLang="ja-JP" sz="1200" b="0" i="1" smtClean="0">
+                            <a:rPr lang="en-US" altLang="ja-JP" sz="1050" b="0" i="1" smtClean="0">
                               <a:latin typeface="Cambria Math"/>
                               <a:ea typeface="HG丸ｺﾞｼｯｸM-PRO" panose="020F0600000000000000" pitchFamily="50" charset="-128"/>
                               <a:cs typeface="Courier New" pitchFamily="49" charset="0"/>
@@ -2270,7 +2270,7 @@
                             <m:t>𝑐</m:t>
                           </m:r>
                           <m:r>
-                            <a:rPr lang="en-US" altLang="ja-JP" sz="1200" b="0" i="1" smtClean="0">
+                            <a:rPr lang="en-US" altLang="ja-JP" sz="1050" b="0" i="1" smtClean="0">
                               <a:latin typeface="Cambria Math"/>
                               <a:ea typeface="HG丸ｺﾞｼｯｸM-PRO" panose="020F0600000000000000" pitchFamily="50" charset="-128"/>
                               <a:cs typeface="Courier New" pitchFamily="49" charset="0"/>
@@ -2282,7 +2282,7 @@
                           <m:sSup>
                             <m:sSupPr>
                               <m:ctrlPr>
-                                <a:rPr lang="en-US" altLang="ja-JP" sz="1200" b="0" i="1" smtClean="0">
+                                <a:rPr lang="en-US" altLang="ja-JP" sz="1050" b="0" i="1" smtClean="0">
                                   <a:latin typeface="Cambria Math"/>
                                   <a:ea typeface="HG丸ｺﾞｼｯｸM-PRO" panose="020F0600000000000000" pitchFamily="50" charset="-128"/>
                                   <a:cs typeface="Courier New" pitchFamily="49" charset="0"/>
@@ -2291,7 +2291,7 @@
                             </m:sSupPr>
                             <m:e>
                               <m:r>
-                                <a:rPr lang="en-US" altLang="ja-JP" sz="1200" b="0" i="1" smtClean="0">
+                                <a:rPr lang="en-US" altLang="ja-JP" sz="1050" b="0" i="1" smtClean="0">
                                   <a:latin typeface="Cambria Math"/>
                                   <a:ea typeface="HG丸ｺﾞｼｯｸM-PRO" panose="020F0600000000000000" pitchFamily="50" charset="-128"/>
                                   <a:cs typeface="Courier New" pitchFamily="49" charset="0"/>
@@ -2301,7 +2301,7 @@
                             </m:e>
                             <m:sup>
                               <m:r>
-                                <a:rPr lang="en-US" altLang="ja-JP" sz="1200" b="0" i="1" smtClean="0">
+                                <a:rPr lang="en-US" altLang="ja-JP" sz="1050" b="0" i="1" smtClean="0">
                                   <a:latin typeface="Cambria Math"/>
                                   <a:ea typeface="HG丸ｺﾞｼｯｸM-PRO" panose="020F0600000000000000" pitchFamily="50" charset="-128"/>
                                   <a:cs typeface="Courier New" pitchFamily="49" charset="0"/>
@@ -2313,7 +2313,7 @@
                         </m:sub>
                       </m:sSub>
                       <m:r>
-                        <a:rPr lang="en-US" altLang="ja-JP" sz="1200" b="0" i="1" smtClean="0">
+                        <a:rPr lang="en-US" altLang="ja-JP" sz="1050" b="0" i="1" smtClean="0">
                           <a:latin typeface="Cambria Math"/>
                           <a:ea typeface="HG丸ｺﾞｼｯｸM-PRO" panose="020F0600000000000000" pitchFamily="50" charset="-128"/>
                           <a:cs typeface="Courier New" pitchFamily="49" charset="0"/>
@@ -2321,7 +2321,7 @@
                         <m:t>(</m:t>
                       </m:r>
                       <m:r>
-                        <a:rPr lang="en-US" altLang="ja-JP" sz="1200" b="0" i="1" smtClean="0">
+                        <a:rPr lang="en-US" altLang="ja-JP" sz="1050" b="0" i="1" smtClean="0">
                           <a:latin typeface="Cambria Math"/>
                           <a:ea typeface="HG丸ｺﾞｼｯｸM-PRO" panose="020F0600000000000000" pitchFamily="50" charset="-128"/>
                           <a:cs typeface="Courier New" pitchFamily="49" charset="0"/>
@@ -2329,7 +2329,7 @@
                         <m:t>𝑚</m:t>
                       </m:r>
                       <m:r>
-                        <a:rPr lang="en-US" altLang="ja-JP" sz="1200" b="0" i="1" smtClean="0">
+                        <a:rPr lang="en-US" altLang="ja-JP" sz="1050" b="0" i="1" smtClean="0">
                           <a:latin typeface="Cambria Math"/>
                           <a:ea typeface="HG丸ｺﾞｼｯｸM-PRO" panose="020F0600000000000000" pitchFamily="50" charset="-128"/>
                           <a:cs typeface="Courier New" pitchFamily="49" charset="0"/>
@@ -2339,7 +2339,7 @@
                     </m:oMath>
                   </m:oMathPara>
                 </a14:m>
-                <a:endParaRPr lang="ja-JP" altLang="en-US" sz="1200">
+                <a:endParaRPr lang="ja-JP" altLang="en-US" sz="1050">
                   <a:latin typeface="HG丸ｺﾞｼｯｸM-PRO" panose="020F0600000000000000" pitchFamily="50" charset="-128"/>
                   <a:ea typeface="HG丸ｺﾞｼｯｸM-PRO" panose="020F0600000000000000" pitchFamily="50" charset="-128"/>
                   <a:cs typeface="Courier New" pitchFamily="49" charset="0"/>
@@ -2348,7 +2348,7 @@
             </p:txBody>
           </p:sp>
         </mc:Choice>
-        <mc:Fallback>
+        <mc:Fallback xmlns="">
           <p:sp>
             <p:nvSpPr>
               <p:cNvPr id="17" name="テキスト ボックス 16"/>
@@ -2360,7 +2360,7 @@
             <p:spPr>
               <a:xfrm>
                 <a:off x="0" y="2140447"/>
-                <a:ext cx="936000" cy="309637"/>
+                <a:ext cx="936000" cy="282385"/>
               </a:xfrm>
               <a:prstGeom prst="rect">
                 <a:avLst/>
@@ -2391,8 +2391,8 @@
           </p:sp>
         </mc:Fallback>
       </mc:AlternateContent>
-      <mc:AlternateContent xmlns:mc="http://schemas.openxmlformats.org/markup-compatibility/2006">
-        <mc:Choice xmlns:a14="http://schemas.microsoft.com/office/drawing/2010/main" Requires="a14">
+      <mc:AlternateContent xmlns:mc="http://schemas.openxmlformats.org/markup-compatibility/2006" xmlns:a14="http://schemas.microsoft.com/office/drawing/2010/main">
+        <mc:Choice Requires="a14">
           <p:sp>
             <p:nvSpPr>
               <p:cNvPr id="19" name="テキスト ボックス 18"/>
@@ -2402,7 +2402,7 @@
             <p:spPr>
               <a:xfrm>
                 <a:off x="1" y="2890820"/>
-                <a:ext cx="936000" cy="334066"/>
+                <a:ext cx="936000" cy="303801"/>
               </a:xfrm>
               <a:prstGeom prst="rect">
                 <a:avLst/>
@@ -2427,7 +2427,7 @@
                     </m:oMathParaPr>
                     <m:oMath xmlns:m="http://schemas.openxmlformats.org/officeDocument/2006/math">
                       <m:r>
-                        <a:rPr lang="en-US" altLang="ja-JP" sz="1200" b="0" i="1" smtClean="0">
+                        <a:rPr lang="en-US" altLang="ja-JP" sz="1050" b="0" i="1" smtClean="0">
                           <a:latin typeface="Cambria Math"/>
                           <a:ea typeface="HG丸ｺﾞｼｯｸM-PRO" panose="020F0600000000000000" pitchFamily="50" charset="-128"/>
                           <a:cs typeface="Courier New" pitchFamily="49" charset="0"/>
@@ -2437,7 +2437,7 @@
                       <m:sSub>
                         <m:sSubPr>
                           <m:ctrlPr>
-                            <a:rPr lang="en-US" altLang="ja-JP" sz="1200" b="0" i="1" smtClean="0">
+                            <a:rPr lang="en-US" altLang="ja-JP" sz="1050" b="0" i="1" smtClean="0">
                               <a:latin typeface="Cambria Math"/>
                               <a:ea typeface="HG丸ｺﾞｼｯｸM-PRO" panose="020F0600000000000000" pitchFamily="50" charset="-128"/>
                               <a:cs typeface="Courier New" pitchFamily="49" charset="0"/>
@@ -2446,7 +2446,7 @@
                         </m:sSubPr>
                         <m:e>
                           <m:r>
-                            <a:rPr lang="en-US" altLang="ja-JP" sz="1200" b="0" i="1" smtClean="0">
+                            <a:rPr lang="en-US" altLang="ja-JP" sz="1050" b="0" i="1" smtClean="0">
                               <a:latin typeface="Cambria Math"/>
                               <a:ea typeface="HG丸ｺﾞｼｯｸM-PRO" panose="020F0600000000000000" pitchFamily="50" charset="-128"/>
                               <a:cs typeface="Courier New" pitchFamily="49" charset="0"/>
@@ -2454,7 +2454,7 @@
                             <m:t>𝑐</m:t>
                           </m:r>
                           <m:r>
-                            <a:rPr lang="en-US" altLang="ja-JP" sz="1200" b="0" i="1" smtClean="0">
+                            <a:rPr lang="en-US" altLang="ja-JP" sz="1050" b="0" i="1" smtClean="0">
                               <a:latin typeface="Cambria Math"/>
                               <a:ea typeface="HG丸ｺﾞｼｯｸM-PRO" panose="020F0600000000000000" pitchFamily="50" charset="-128"/>
                               <a:cs typeface="Courier New" pitchFamily="49" charset="0"/>
@@ -2466,7 +2466,7 @@
                           <m:sSup>
                             <m:sSupPr>
                               <m:ctrlPr>
-                                <a:rPr lang="en-US" altLang="ja-JP" sz="1200" b="0" i="1" smtClean="0">
+                                <a:rPr lang="en-US" altLang="ja-JP" sz="1050" b="0" i="1" smtClean="0">
                                   <a:latin typeface="Cambria Math"/>
                                   <a:ea typeface="HG丸ｺﾞｼｯｸM-PRO" panose="020F0600000000000000" pitchFamily="50" charset="-128"/>
                                   <a:cs typeface="Courier New" pitchFamily="49" charset="0"/>
@@ -2475,7 +2475,7 @@
                             </m:sSupPr>
                             <m:e>
                               <m:r>
-                                <a:rPr lang="en-US" altLang="ja-JP" sz="1200" b="0" i="1" smtClean="0">
+                                <a:rPr lang="en-US" altLang="ja-JP" sz="1050" b="0" i="1" smtClean="0">
                                   <a:latin typeface="Cambria Math"/>
                                   <a:ea typeface="HG丸ｺﾞｼｯｸM-PRO" panose="020F0600000000000000" pitchFamily="50" charset="-128"/>
                                   <a:cs typeface="Courier New" pitchFamily="49" charset="0"/>
@@ -2487,7 +2487,7 @@
                               <m:sSup>
                                 <m:sSupPr>
                                   <m:ctrlPr>
-                                    <a:rPr lang="en-US" altLang="ja-JP" sz="1200" b="0" i="1" smtClean="0">
+                                    <a:rPr lang="en-US" altLang="ja-JP" sz="1050" b="0" i="1" smtClean="0">
                                       <a:latin typeface="Cambria Math"/>
                                       <a:ea typeface="HG丸ｺﾞｼｯｸM-PRO" panose="020F0600000000000000" pitchFamily="50" charset="-128"/>
                                       <a:cs typeface="Courier New" pitchFamily="49" charset="0"/>
@@ -2496,7 +2496,7 @@
                                 </m:sSupPr>
                                 <m:e>
                                   <m:r>
-                                    <a:rPr lang="en-US" altLang="ja-JP" sz="1200" b="0" i="1" smtClean="0">
+                                    <a:rPr lang="en-US" altLang="ja-JP" sz="1050" b="0" i="1" smtClean="0">
                                       <a:latin typeface="Cambria Math"/>
                                       <a:ea typeface="HG丸ｺﾞｼｯｸM-PRO" panose="020F0600000000000000" pitchFamily="50" charset="-128"/>
                                       <a:cs typeface="Courier New" pitchFamily="49" charset="0"/>
@@ -2506,7 +2506,7 @@
                                 </m:e>
                                 <m:sup>
                                   <m:r>
-                                    <a:rPr lang="en-US" altLang="ja-JP" sz="1200" b="0" i="1" smtClean="0">
+                                    <a:rPr lang="en-US" altLang="ja-JP" sz="1050" b="0" i="1" smtClean="0">
                                       <a:latin typeface="Cambria Math"/>
                                       <a:ea typeface="HG丸ｺﾞｼｯｸM-PRO" panose="020F0600000000000000" pitchFamily="50" charset="-128"/>
                                       <a:cs typeface="Courier New" pitchFamily="49" charset="0"/>
@@ -2518,7 +2518,7 @@
                               <m:sSup>
                                 <m:sSupPr>
                                   <m:ctrlPr>
-                                    <a:rPr lang="en-US" altLang="ja-JP" sz="1200" b="0" i="1" smtClean="0">
+                                    <a:rPr lang="en-US" altLang="ja-JP" sz="1050" b="0" i="1" smtClean="0">
                                       <a:latin typeface="Cambria Math"/>
                                       <a:ea typeface="HG丸ｺﾞｼｯｸM-PRO" panose="020F0600000000000000" pitchFamily="50" charset="-128"/>
                                       <a:cs typeface="Courier New" pitchFamily="49" charset="0"/>
@@ -2527,7 +2527,7 @@
                                 </m:sSupPr>
                                 <m:e>
                                   <m:r>
-                                    <a:rPr lang="en-US" altLang="ja-JP" sz="1200" b="0" i="1" smtClean="0">
+                                    <a:rPr lang="en-US" altLang="ja-JP" sz="1050" b="0" i="1" smtClean="0">
                                       <a:latin typeface="Cambria Math"/>
                                       <a:ea typeface="HG丸ｺﾞｼｯｸM-PRO" panose="020F0600000000000000" pitchFamily="50" charset="-128"/>
                                       <a:cs typeface="Courier New" pitchFamily="49" charset="0"/>
@@ -2537,7 +2537,7 @@
                                 </m:e>
                                 <m:sup>
                                   <m:r>
-                                    <a:rPr lang="en-US" altLang="ja-JP" sz="1200" b="0" i="1" smtClean="0">
+                                    <a:rPr lang="en-US" altLang="ja-JP" sz="1050" b="0" i="1" smtClean="0">
                                       <a:latin typeface="Cambria Math"/>
                                       <a:ea typeface="HG丸ｺﾞｼｯｸM-PRO" panose="020F0600000000000000" pitchFamily="50" charset="-128"/>
                                       <a:cs typeface="Courier New" pitchFamily="49" charset="0"/>
@@ -2551,7 +2551,7 @@
                         </m:sub>
                       </m:sSub>
                       <m:r>
-                        <a:rPr lang="en-US" altLang="ja-JP" sz="1200" b="0" i="1" smtClean="0">
+                        <a:rPr lang="en-US" altLang="ja-JP" sz="1050" b="0" i="1" smtClean="0">
                           <a:latin typeface="Cambria Math"/>
                           <a:ea typeface="HG丸ｺﾞｼｯｸM-PRO" panose="020F0600000000000000" pitchFamily="50" charset="-128"/>
                           <a:cs typeface="Courier New" pitchFamily="49" charset="0"/>
@@ -2561,7 +2561,7 @@
                       <m:sSup>
                         <m:sSupPr>
                           <m:ctrlPr>
-                            <a:rPr lang="en-US" altLang="ja-JP" sz="1200" b="0" i="1" smtClean="0">
+                            <a:rPr lang="en-US" altLang="ja-JP" sz="1050" b="0" i="1" smtClean="0">
                               <a:latin typeface="Cambria Math"/>
                               <a:ea typeface="HG丸ｺﾞｼｯｸM-PRO" panose="020F0600000000000000" pitchFamily="50" charset="-128"/>
                               <a:cs typeface="Courier New" pitchFamily="49" charset="0"/>
@@ -2570,7 +2570,7 @@
                         </m:sSupPr>
                         <m:e>
                           <m:r>
-                            <a:rPr lang="en-US" altLang="ja-JP" sz="1200" b="0" i="1" smtClean="0">
+                            <a:rPr lang="en-US" altLang="ja-JP" sz="1050" b="0" i="1" smtClean="0">
                               <a:latin typeface="Cambria Math"/>
                               <a:ea typeface="HG丸ｺﾞｼｯｸM-PRO" panose="020F0600000000000000" pitchFamily="50" charset="-128"/>
                               <a:cs typeface="Courier New" pitchFamily="49" charset="0"/>
@@ -2580,7 +2580,7 @@
                         </m:e>
                         <m:sup>
                           <m:r>
-                            <a:rPr lang="en-US" altLang="ja-JP" sz="1200" b="0" i="1" smtClean="0">
+                            <a:rPr lang="en-US" altLang="ja-JP" sz="1050" b="0" i="1" smtClean="0">
                               <a:latin typeface="Cambria Math"/>
                               <a:ea typeface="HG丸ｺﾞｼｯｸM-PRO" panose="020F0600000000000000" pitchFamily="50" charset="-128"/>
                               <a:cs typeface="Courier New" pitchFamily="49" charset="0"/>
@@ -2590,7 +2590,7 @@
                         </m:sup>
                       </m:sSup>
                       <m:r>
-                        <a:rPr lang="en-US" altLang="ja-JP" sz="1200" b="0" i="1" smtClean="0">
+                        <a:rPr lang="en-US" altLang="ja-JP" sz="1050" b="0" i="1" smtClean="0">
                           <a:latin typeface="Cambria Math"/>
                           <a:ea typeface="HG丸ｺﾞｼｯｸM-PRO" panose="020F0600000000000000" pitchFamily="50" charset="-128"/>
                           <a:cs typeface="Courier New" pitchFamily="49" charset="0"/>
@@ -2600,7 +2600,7 @@
                     </m:oMath>
                   </m:oMathPara>
                 </a14:m>
-                <a:endParaRPr lang="ja-JP" altLang="en-US" sz="1200">
+                <a:endParaRPr lang="ja-JP" altLang="en-US" sz="1050">
                   <a:latin typeface="HG丸ｺﾞｼｯｸM-PRO" panose="020F0600000000000000" pitchFamily="50" charset="-128"/>
                   <a:ea typeface="HG丸ｺﾞｼｯｸM-PRO" panose="020F0600000000000000" pitchFamily="50" charset="-128"/>
                   <a:cs typeface="Courier New" pitchFamily="49" charset="0"/>
@@ -2609,7 +2609,7 @@
             </p:txBody>
           </p:sp>
         </mc:Choice>
-        <mc:Fallback>
+        <mc:Fallback xmlns="">
           <p:sp>
             <p:nvSpPr>
               <p:cNvPr id="19" name="テキスト ボックス 18"/>
@@ -2621,7 +2621,7 @@
             <p:spPr>
               <a:xfrm>
                 <a:off x="1" y="2890820"/>
-                <a:ext cx="936000" cy="334066"/>
+                <a:ext cx="936000" cy="303801"/>
               </a:xfrm>
               <a:prstGeom prst="rect">
                 <a:avLst/>
@@ -2629,7 +2629,7 @@
               <a:blipFill rotWithShape="1">
                 <a:blip r:embed="rId4"/>
                 <a:stretch>
-                  <a:fillRect r="-11688"/>
+                  <a:fillRect/>
                 </a:stretch>
               </a:blipFill>
               <a:ln w="12700" cap="rnd">
@@ -2660,7 +2660,7 @@
         </p:nvSpPr>
         <p:spPr>
           <a:xfrm>
-            <a:off x="420718" y="2275409"/>
+            <a:off x="353584" y="2219350"/>
             <a:ext cx="223060" cy="211800"/>
           </a:xfrm>
           <a:prstGeom prst="ellipse">
@@ -2692,27 +2692,25 @@
           <a:lstStyle/>
           <a:p>
             <a:pPr algn="ctr"/>
-            <a:endParaRPr kumimoji="1" lang="ja-JP" altLang="en-US" sz="1200"/>
+            <a:endParaRPr kumimoji="1" lang="ja-JP" altLang="en-US" sz="1050"/>
           </a:p>
         </p:txBody>
       </p:sp>
       <p:cxnSp>
         <p:nvCxnSpPr>
           <p:cNvPr id="23" name="直線矢印コネクタ 22"/>
-          <p:cNvCxnSpPr>
-            <a:stCxn id="21" idx="7"/>
-          </p:cNvCxnSpPr>
+          <p:cNvCxnSpPr/>
           <p:nvPr/>
         </p:nvCxnSpPr>
         <p:spPr>
           <a:xfrm flipV="1">
-            <a:off x="611112" y="1149631"/>
-            <a:ext cx="1070948" cy="1156795"/>
+            <a:off x="580111" y="1427262"/>
+            <a:ext cx="1201833" cy="786322"/>
           </a:xfrm>
           <a:prstGeom prst="straightConnector1">
             <a:avLst/>
           </a:prstGeom>
-          <a:ln w="6350">
+          <a:ln w="3175">
             <a:solidFill>
               <a:schemeClr val="tx1"/>
             </a:solidFill>
@@ -2742,13 +2740,13 @@
         </p:nvCxnSpPr>
         <p:spPr>
           <a:xfrm flipV="1">
-            <a:off x="611112" y="1149632"/>
-            <a:ext cx="1236761" cy="1850271"/>
+            <a:off x="611112" y="1499270"/>
+            <a:ext cx="1242840" cy="1500636"/>
           </a:xfrm>
           <a:prstGeom prst="straightConnector1">
             <a:avLst/>
           </a:prstGeom>
-          <a:ln w="6350">
+          <a:ln w="3175">
             <a:solidFill>
               <a:schemeClr val="tx1"/>
             </a:solidFill>
@@ -2778,8 +2776,8 @@
         </p:nvSpPr>
         <p:spPr>
           <a:xfrm>
-            <a:off x="1493912" y="841854"/>
-            <a:ext cx="1261884" cy="276999"/>
+            <a:off x="1734832" y="1245354"/>
+            <a:ext cx="1127232" cy="253916"/>
           </a:xfrm>
           <a:prstGeom prst="rect">
             <a:avLst/>
@@ -2797,14 +2795,14 @@
           <a:lstStyle/>
           <a:p>
             <a:r>
-              <a:rPr lang="ja-JP" altLang="en-US" sz="1200" smtClean="0">
+              <a:rPr lang="ja-JP" altLang="en-US" sz="1050" smtClean="0">
                 <a:latin typeface="HG丸ｺﾞｼｯｸM-PRO" panose="020F0600000000000000" pitchFamily="50" charset="-128"/>
                 <a:ea typeface="HG丸ｺﾞｼｯｸM-PRO" panose="020F0600000000000000" pitchFamily="50" charset="-128"/>
                 <a:cs typeface="Courier New" pitchFamily="49" charset="0"/>
               </a:rPr>
               <a:t>いつも異なる鍵</a:t>
             </a:r>
-            <a:endParaRPr lang="ja-JP" altLang="en-US" sz="1200">
+            <a:endParaRPr lang="ja-JP" altLang="en-US" sz="1050">
               <a:latin typeface="HG丸ｺﾞｼｯｸM-PRO" panose="020F0600000000000000" pitchFamily="50" charset="-128"/>
               <a:ea typeface="HG丸ｺﾞｼｯｸM-PRO" panose="020F0600000000000000" pitchFamily="50" charset="-128"/>
               <a:cs typeface="Courier New" pitchFamily="49" charset="0"/>
@@ -2826,7 +2824,7 @@
           <a:prstGeom prst="straightConnector1">
             <a:avLst/>
           </a:prstGeom>
-          <a:ln w="9525">
+          <a:ln w="3175">
             <a:solidFill>
               <a:schemeClr val="tx1"/>
             </a:solidFill>
@@ -2856,8 +2854,8 @@
         </p:nvSpPr>
         <p:spPr>
           <a:xfrm>
-            <a:off x="1316650" y="1612013"/>
-            <a:ext cx="1569660" cy="276999"/>
+            <a:off x="1609544" y="1612013"/>
+            <a:ext cx="1396536" cy="253916"/>
           </a:xfrm>
           <a:prstGeom prst="rect">
             <a:avLst/>
@@ -2875,14 +2873,14 @@
           <a:lstStyle/>
           <a:p>
             <a:r>
-              <a:rPr lang="ja-JP" altLang="en-US" sz="1200" smtClean="0">
+              <a:rPr lang="ja-JP" altLang="en-US" sz="1050" smtClean="0">
                 <a:latin typeface="HG丸ｺﾞｼｯｸM-PRO" panose="020F0600000000000000" pitchFamily="50" charset="-128"/>
                 <a:ea typeface="HG丸ｺﾞｼｯｸM-PRO" panose="020F0600000000000000" pitchFamily="50" charset="-128"/>
                 <a:cs typeface="Courier New" pitchFamily="49" charset="0"/>
               </a:rPr>
               <a:t>セッション鍵の共有</a:t>
             </a:r>
-            <a:endParaRPr lang="ja-JP" altLang="en-US" sz="1200">
+            <a:endParaRPr lang="ja-JP" altLang="en-US" sz="1050">
               <a:latin typeface="HG丸ｺﾞｼｯｸM-PRO" panose="020F0600000000000000" pitchFamily="50" charset="-128"/>
               <a:ea typeface="HG丸ｺﾞｼｯｸM-PRO" panose="020F0600000000000000" pitchFamily="50" charset="-128"/>
               <a:cs typeface="Courier New" pitchFamily="49" charset="0"/>
@@ -2898,8 +2896,8 @@
         </p:nvSpPr>
         <p:spPr>
           <a:xfrm>
-            <a:off x="1682060" y="2014359"/>
-            <a:ext cx="1107996" cy="276999"/>
+            <a:off x="1974954" y="2014359"/>
+            <a:ext cx="992579" cy="253916"/>
           </a:xfrm>
           <a:prstGeom prst="rect">
             <a:avLst/>
@@ -2917,14 +2915,14 @@
           <a:lstStyle/>
           <a:p>
             <a:r>
-              <a:rPr lang="ja-JP" altLang="en-US" sz="1200" smtClean="0">
+              <a:rPr lang="ja-JP" altLang="en-US" sz="1050" smtClean="0">
                 <a:latin typeface="HG丸ｺﾞｼｯｸM-PRO" panose="020F0600000000000000" pitchFamily="50" charset="-128"/>
                 <a:ea typeface="HG丸ｺﾞｼｯｸM-PRO" panose="020F0600000000000000" pitchFamily="50" charset="-128"/>
                 <a:cs typeface="Courier New" pitchFamily="49" charset="0"/>
               </a:rPr>
               <a:t>本文の暗号化</a:t>
             </a:r>
-            <a:endParaRPr lang="ja-JP" altLang="en-US" sz="1200">
+            <a:endParaRPr lang="ja-JP" altLang="en-US" sz="1050">
               <a:latin typeface="HG丸ｺﾞｼｯｸM-PRO" panose="020F0600000000000000" pitchFamily="50" charset="-128"/>
               <a:ea typeface="HG丸ｺﾞｼｯｸM-PRO" panose="020F0600000000000000" pitchFamily="50" charset="-128"/>
               <a:cs typeface="Courier New" pitchFamily="49" charset="0"/>
@@ -2946,7 +2944,7 @@
           <a:prstGeom prst="straightConnector1">
             <a:avLst/>
           </a:prstGeom>
-          <a:ln w="9525">
+          <a:ln w="3175">
             <a:solidFill>
               <a:schemeClr val="tx1"/>
             </a:solidFill>
@@ -2983,7 +2981,7 @@
           <a:prstGeom prst="straightConnector1">
             <a:avLst/>
           </a:prstGeom>
-          <a:ln w="9525">
+          <a:ln w="3175">
             <a:solidFill>
               <a:schemeClr val="tx1"/>
             </a:solidFill>
@@ -3013,8 +3011,8 @@
         </p:nvSpPr>
         <p:spPr>
           <a:xfrm>
-            <a:off x="1315541" y="2391891"/>
-            <a:ext cx="1569660" cy="276999"/>
+            <a:off x="1608435" y="2391891"/>
+            <a:ext cx="1396536" cy="253916"/>
           </a:xfrm>
           <a:prstGeom prst="rect">
             <a:avLst/>
@@ -3032,14 +3030,14 @@
           <a:lstStyle/>
           <a:p>
             <a:r>
-              <a:rPr lang="ja-JP" altLang="en-US" sz="1200" smtClean="0">
+              <a:rPr lang="ja-JP" altLang="en-US" sz="1050" smtClean="0">
                 <a:latin typeface="HG丸ｺﾞｼｯｸM-PRO" panose="020F0600000000000000" pitchFamily="50" charset="-128"/>
                 <a:ea typeface="HG丸ｺﾞｼｯｸM-PRO" panose="020F0600000000000000" pitchFamily="50" charset="-128"/>
                 <a:cs typeface="Courier New" pitchFamily="49" charset="0"/>
               </a:rPr>
               <a:t>セッション鍵の共有</a:t>
             </a:r>
-            <a:endParaRPr lang="ja-JP" altLang="en-US" sz="1200">
+            <a:endParaRPr lang="ja-JP" altLang="en-US" sz="1050">
               <a:latin typeface="HG丸ｺﾞｼｯｸM-PRO" panose="020F0600000000000000" pitchFamily="50" charset="-128"/>
               <a:ea typeface="HG丸ｺﾞｼｯｸM-PRO" panose="020F0600000000000000" pitchFamily="50" charset="-128"/>
               <a:cs typeface="Courier New" pitchFamily="49" charset="0"/>
@@ -3055,8 +3053,8 @@
         </p:nvSpPr>
         <p:spPr>
           <a:xfrm>
-            <a:off x="1680951" y="2794237"/>
-            <a:ext cx="1107996" cy="276999"/>
+            <a:off x="1973845" y="2794237"/>
+            <a:ext cx="992579" cy="253916"/>
           </a:xfrm>
           <a:prstGeom prst="rect">
             <a:avLst/>
@@ -3074,14 +3072,14 @@
           <a:lstStyle/>
           <a:p>
             <a:r>
-              <a:rPr lang="ja-JP" altLang="en-US" sz="1200" smtClean="0">
+              <a:rPr lang="ja-JP" altLang="en-US" sz="1050" smtClean="0">
                 <a:latin typeface="HG丸ｺﾞｼｯｸM-PRO" panose="020F0600000000000000" pitchFamily="50" charset="-128"/>
                 <a:ea typeface="HG丸ｺﾞｼｯｸM-PRO" panose="020F0600000000000000" pitchFamily="50" charset="-128"/>
                 <a:cs typeface="Courier New" pitchFamily="49" charset="0"/>
               </a:rPr>
               <a:t>本文の暗号化</a:t>
             </a:r>
-            <a:endParaRPr lang="ja-JP" altLang="en-US" sz="1200">
+            <a:endParaRPr lang="ja-JP" altLang="en-US" sz="1050">
               <a:latin typeface="HG丸ｺﾞｼｯｸM-PRO" panose="020F0600000000000000" pitchFamily="50" charset="-128"/>
               <a:ea typeface="HG丸ｺﾞｼｯｸM-PRO" panose="020F0600000000000000" pitchFamily="50" charset="-128"/>
               <a:cs typeface="Courier New" pitchFamily="49" charset="0"/>
@@ -3089,16 +3087,425 @@
           </a:p>
         </p:txBody>
       </p:sp>
+      <mc:AlternateContent xmlns:mc="http://schemas.openxmlformats.org/markup-compatibility/2006" xmlns:a14="http://schemas.microsoft.com/office/drawing/2010/main">
+        <mc:Choice Requires="a14">
+          <p:sp>
+            <p:nvSpPr>
+              <p:cNvPr id="22" name="テキスト ボックス 21"/>
+              <p:cNvSpPr txBox="1"/>
+              <p:nvPr/>
+            </p:nvSpPr>
+            <p:spPr>
+              <a:xfrm>
+                <a:off x="3421496" y="1746846"/>
+                <a:ext cx="936000" cy="256865"/>
+              </a:xfrm>
+              <a:prstGeom prst="rect">
+                <a:avLst/>
+              </a:prstGeom>
+              <a:noFill/>
+              <a:ln w="12700" cap="rnd">
+                <a:noFill/>
+                <a:prstDash val="sysDash"/>
+              </a:ln>
+            </p:spPr>
+            <p:txBody>
+              <a:bodyPr wrap="square" rtlCol="0">
+                <a:spAutoFit/>
+              </a:bodyPr>
+              <a:lstStyle/>
+              <a:p>
+                <a:pPr/>
+                <a14:m>
+                  <m:oMathPara xmlns:m="http://schemas.openxmlformats.org/officeDocument/2006/math">
+                    <m:oMathParaPr>
+                      <m:jc m:val="centerGroup"/>
+                    </m:oMathParaPr>
+                    <m:oMath xmlns:m="http://schemas.openxmlformats.org/officeDocument/2006/math">
+                      <m:sSup>
+                        <m:sSupPr>
+                          <m:ctrlPr>
+                            <a:rPr lang="en-US" altLang="ja-JP" sz="1050" b="0" i="1" smtClean="0">
+                              <a:latin typeface="Cambria Math"/>
+                              <a:ea typeface="HG丸ｺﾞｼｯｸM-PRO" panose="020F0600000000000000" pitchFamily="50" charset="-128"/>
+                              <a:cs typeface="Courier New" pitchFamily="49" charset="0"/>
+                            </a:rPr>
+                          </m:ctrlPr>
+                        </m:sSupPr>
+                        <m:e>
+                          <m:r>
+                            <a:rPr lang="en-US" altLang="ja-JP" sz="1050" b="0" i="1" smtClean="0">
+                              <a:latin typeface="Cambria Math"/>
+                              <a:ea typeface="HG丸ｺﾞｼｯｸM-PRO" panose="020F0600000000000000" pitchFamily="50" charset="-128"/>
+                              <a:cs typeface="Courier New" pitchFamily="49" charset="0"/>
+                            </a:rPr>
+                            <m:t>𝑔</m:t>
+                          </m:r>
+                        </m:e>
+                        <m:sup>
+                          <m:r>
+                            <a:rPr lang="en-US" altLang="ja-JP" sz="1050" b="0" i="1" smtClean="0">
+                              <a:latin typeface="Cambria Math"/>
+                              <a:ea typeface="HG丸ｺﾞｼｯｸM-PRO" panose="020F0600000000000000" pitchFamily="50" charset="-128"/>
+                              <a:cs typeface="Courier New" pitchFamily="49" charset="0"/>
+                            </a:rPr>
+                            <m:t>𝑏</m:t>
+                          </m:r>
+                        </m:sup>
+                      </m:sSup>
+                    </m:oMath>
+                  </m:oMathPara>
+                </a14:m>
+                <a:endParaRPr lang="ja-JP" altLang="en-US" sz="1050">
+                  <a:latin typeface="HG丸ｺﾞｼｯｸM-PRO" panose="020F0600000000000000" pitchFamily="50" charset="-128"/>
+                  <a:ea typeface="HG丸ｺﾞｼｯｸM-PRO" panose="020F0600000000000000" pitchFamily="50" charset="-128"/>
+                  <a:cs typeface="Courier New" pitchFamily="49" charset="0"/>
+                </a:endParaRPr>
+              </a:p>
+            </p:txBody>
+          </p:sp>
+        </mc:Choice>
+        <mc:Fallback xmlns="">
+          <p:sp>
+            <p:nvSpPr>
+              <p:cNvPr id="22" name="テキスト ボックス 21"/>
+              <p:cNvSpPr txBox="1">
+                <a:spLocks noRot="1" noChangeAspect="1" noMove="1" noResize="1" noEditPoints="1" noAdjustHandles="1" noChangeArrowheads="1" noChangeShapeType="1" noTextEdit="1"/>
+              </p:cNvSpPr>
+              <p:nvPr/>
+            </p:nvSpPr>
+            <p:spPr>
+              <a:xfrm>
+                <a:off x="3421496" y="1746846"/>
+                <a:ext cx="936000" cy="256865"/>
+              </a:xfrm>
+              <a:prstGeom prst="rect">
+                <a:avLst/>
+              </a:prstGeom>
+              <a:blipFill rotWithShape="1">
+                <a:blip r:embed="rId5"/>
+                <a:stretch>
+                  <a:fillRect/>
+                </a:stretch>
+              </a:blipFill>
+              <a:ln w="12700" cap="rnd">
+                <a:noFill/>
+                <a:prstDash val="sysDash"/>
+              </a:ln>
+            </p:spPr>
+            <p:txBody>
+              <a:bodyPr/>
+              <a:lstStyle/>
+              <a:p>
+                <a:r>
+                  <a:rPr lang="ja-JP" altLang="en-US">
+                    <a:noFill/>
+                  </a:rPr>
+                  <a:t> </a:t>
+                </a:r>
+              </a:p>
+            </p:txBody>
+          </p:sp>
+        </mc:Fallback>
+      </mc:AlternateContent>
+      <mc:AlternateContent xmlns:mc="http://schemas.openxmlformats.org/markup-compatibility/2006" xmlns:a14="http://schemas.microsoft.com/office/drawing/2010/main">
+        <mc:Choice Requires="a14">
+          <p:sp>
+            <p:nvSpPr>
+              <p:cNvPr id="29" name="テキスト ボックス 28"/>
+              <p:cNvSpPr txBox="1"/>
+              <p:nvPr/>
+            </p:nvSpPr>
+            <p:spPr>
+              <a:xfrm>
+                <a:off x="3438232" y="2507382"/>
+                <a:ext cx="936000" cy="275973"/>
+              </a:xfrm>
+              <a:prstGeom prst="rect">
+                <a:avLst/>
+              </a:prstGeom>
+              <a:noFill/>
+              <a:ln w="12700" cap="rnd">
+                <a:noFill/>
+                <a:prstDash val="sysDash"/>
+              </a:ln>
+            </p:spPr>
+            <p:txBody>
+              <a:bodyPr wrap="square" rtlCol="0">
+                <a:spAutoFit/>
+              </a:bodyPr>
+              <a:lstStyle/>
+              <a:p>
+                <a:pPr/>
+                <a14:m>
+                  <m:oMathPara xmlns:m="http://schemas.openxmlformats.org/officeDocument/2006/math">
+                    <m:oMathParaPr>
+                      <m:jc m:val="centerGroup"/>
+                    </m:oMathParaPr>
+                    <m:oMath xmlns:m="http://schemas.openxmlformats.org/officeDocument/2006/math">
+                      <m:sSup>
+                        <m:sSupPr>
+                          <m:ctrlPr>
+                            <a:rPr lang="en-US" altLang="ja-JP" sz="1050" b="0" i="1" smtClean="0">
+                              <a:latin typeface="Cambria Math"/>
+                              <a:ea typeface="HG丸ｺﾞｼｯｸM-PRO" panose="020F0600000000000000" pitchFamily="50" charset="-128"/>
+                              <a:cs typeface="Courier New" pitchFamily="49" charset="0"/>
+                            </a:rPr>
+                          </m:ctrlPr>
+                        </m:sSupPr>
+                        <m:e>
+                          <m:r>
+                            <a:rPr lang="en-US" altLang="ja-JP" sz="1050" b="0" i="1" smtClean="0">
+                              <a:latin typeface="Cambria Math"/>
+                              <a:ea typeface="HG丸ｺﾞｼｯｸM-PRO" panose="020F0600000000000000" pitchFamily="50" charset="-128"/>
+                              <a:cs typeface="Courier New" pitchFamily="49" charset="0"/>
+                            </a:rPr>
+                            <m:t>𝑔</m:t>
+                          </m:r>
+                        </m:e>
+                        <m:sup>
+                          <m:sSup>
+                            <m:sSupPr>
+                              <m:ctrlPr>
+                                <a:rPr lang="en-US" altLang="ja-JP" sz="1050" b="0" i="1" smtClean="0">
+                                  <a:latin typeface="Cambria Math"/>
+                                  <a:ea typeface="HG丸ｺﾞｼｯｸM-PRO" panose="020F0600000000000000" pitchFamily="50" charset="-128"/>
+                                  <a:cs typeface="Courier New" pitchFamily="49" charset="0"/>
+                                </a:rPr>
+                              </m:ctrlPr>
+                            </m:sSupPr>
+                            <m:e>
+                              <m:r>
+                                <a:rPr lang="en-US" altLang="ja-JP" sz="1050" b="0" i="1" smtClean="0">
+                                  <a:latin typeface="Cambria Math"/>
+                                  <a:ea typeface="HG丸ｺﾞｼｯｸM-PRO" panose="020F0600000000000000" pitchFamily="50" charset="-128"/>
+                                  <a:cs typeface="Courier New" pitchFamily="49" charset="0"/>
+                                </a:rPr>
+                                <m:t>𝑏</m:t>
+                              </m:r>
+                            </m:e>
+                            <m:sup>
+                              <m:r>
+                                <a:rPr lang="en-US" altLang="ja-JP" sz="1050" b="0" i="1" smtClean="0">
+                                  <a:latin typeface="Cambria Math"/>
+                                  <a:ea typeface="HG丸ｺﾞｼｯｸM-PRO" panose="020F0600000000000000" pitchFamily="50" charset="-128"/>
+                                  <a:cs typeface="Courier New" pitchFamily="49" charset="0"/>
+                                </a:rPr>
+                                <m:t>′</m:t>
+                              </m:r>
+                            </m:sup>
+                          </m:sSup>
+                        </m:sup>
+                      </m:sSup>
+                    </m:oMath>
+                  </m:oMathPara>
+                </a14:m>
+                <a:endParaRPr lang="ja-JP" altLang="en-US" sz="1050">
+                  <a:latin typeface="HG丸ｺﾞｼｯｸM-PRO" panose="020F0600000000000000" pitchFamily="50" charset="-128"/>
+                  <a:ea typeface="HG丸ｺﾞｼｯｸM-PRO" panose="020F0600000000000000" pitchFamily="50" charset="-128"/>
+                  <a:cs typeface="Courier New" pitchFamily="49" charset="0"/>
+                </a:endParaRPr>
+              </a:p>
+            </p:txBody>
+          </p:sp>
+        </mc:Choice>
+        <mc:Fallback xmlns="">
+          <p:sp>
+            <p:nvSpPr>
+              <p:cNvPr id="29" name="テキスト ボックス 28"/>
+              <p:cNvSpPr txBox="1">
+                <a:spLocks noRot="1" noChangeAspect="1" noMove="1" noResize="1" noEditPoints="1" noAdjustHandles="1" noChangeArrowheads="1" noChangeShapeType="1" noTextEdit="1"/>
+              </p:cNvSpPr>
+              <p:nvPr/>
+            </p:nvSpPr>
+            <p:spPr>
+              <a:xfrm>
+                <a:off x="3438232" y="2507382"/>
+                <a:ext cx="936000" cy="275973"/>
+              </a:xfrm>
+              <a:prstGeom prst="rect">
+                <a:avLst/>
+              </a:prstGeom>
+              <a:blipFill rotWithShape="1">
+                <a:blip r:embed="rId6"/>
+                <a:stretch>
+                  <a:fillRect/>
+                </a:stretch>
+              </a:blipFill>
+              <a:ln w="12700" cap="rnd">
+                <a:noFill/>
+                <a:prstDash val="sysDash"/>
+              </a:ln>
+            </p:spPr>
+            <p:txBody>
+              <a:bodyPr/>
+              <a:lstStyle/>
+              <a:p>
+                <a:r>
+                  <a:rPr lang="ja-JP" altLang="en-US">
+                    <a:noFill/>
+                  </a:rPr>
+                  <a:t> </a:t>
+                </a:r>
+              </a:p>
+            </p:txBody>
+          </p:sp>
+        </mc:Fallback>
+      </mc:AlternateContent>
+      <mc:AlternateContent xmlns:mc="http://schemas.openxmlformats.org/markup-compatibility/2006" xmlns:a14="http://schemas.microsoft.com/office/drawing/2010/main">
+        <mc:Choice Requires="a14">
+          <p:sp>
+            <p:nvSpPr>
+              <p:cNvPr id="30" name="テキスト ボックス 29"/>
+              <p:cNvSpPr txBox="1"/>
+              <p:nvPr/>
+            </p:nvSpPr>
+            <p:spPr>
+              <a:xfrm>
+                <a:off x="53856" y="2507382"/>
+                <a:ext cx="936000" cy="275973"/>
+              </a:xfrm>
+              <a:prstGeom prst="rect">
+                <a:avLst/>
+              </a:prstGeom>
+              <a:noFill/>
+              <a:ln w="12700" cap="rnd">
+                <a:noFill/>
+                <a:prstDash val="sysDash"/>
+              </a:ln>
+            </p:spPr>
+            <p:txBody>
+              <a:bodyPr wrap="square" rtlCol="0">
+                <a:spAutoFit/>
+              </a:bodyPr>
+              <a:lstStyle/>
+              <a:p>
+                <a:pPr/>
+                <a14:m>
+                  <m:oMathPara xmlns:m="http://schemas.openxmlformats.org/officeDocument/2006/math">
+                    <m:oMathParaPr>
+                      <m:jc m:val="centerGroup"/>
+                    </m:oMathParaPr>
+                    <m:oMath xmlns:m="http://schemas.openxmlformats.org/officeDocument/2006/math">
+                      <m:sSup>
+                        <m:sSupPr>
+                          <m:ctrlPr>
+                            <a:rPr lang="en-US" altLang="ja-JP" sz="1050" b="0" i="1" smtClean="0">
+                              <a:latin typeface="Cambria Math"/>
+                              <a:ea typeface="HG丸ｺﾞｼｯｸM-PRO" panose="020F0600000000000000" pitchFamily="50" charset="-128"/>
+                              <a:cs typeface="Courier New" pitchFamily="49" charset="0"/>
+                            </a:rPr>
+                          </m:ctrlPr>
+                        </m:sSupPr>
+                        <m:e>
+                          <m:r>
+                            <a:rPr lang="en-US" altLang="ja-JP" sz="1050" b="0" i="1" smtClean="0">
+                              <a:latin typeface="Cambria Math"/>
+                              <a:ea typeface="HG丸ｺﾞｼｯｸM-PRO" panose="020F0600000000000000" pitchFamily="50" charset="-128"/>
+                              <a:cs typeface="Courier New" pitchFamily="49" charset="0"/>
+                            </a:rPr>
+                            <m:t>𝑔</m:t>
+                          </m:r>
+                        </m:e>
+                        <m:sup>
+                          <m:sSup>
+                            <m:sSupPr>
+                              <m:ctrlPr>
+                                <a:rPr lang="en-US" altLang="ja-JP" sz="1050" b="0" i="1" smtClean="0">
+                                  <a:latin typeface="Cambria Math"/>
+                                  <a:ea typeface="HG丸ｺﾞｼｯｸM-PRO" panose="020F0600000000000000" pitchFamily="50" charset="-128"/>
+                                  <a:cs typeface="Courier New" pitchFamily="49" charset="0"/>
+                                </a:rPr>
+                              </m:ctrlPr>
+                            </m:sSupPr>
+                            <m:e>
+                              <m:r>
+                                <a:rPr lang="en-US" altLang="ja-JP" sz="1050" b="0" i="1" smtClean="0">
+                                  <a:latin typeface="Cambria Math"/>
+                                  <a:ea typeface="HG丸ｺﾞｼｯｸM-PRO" panose="020F0600000000000000" pitchFamily="50" charset="-128"/>
+                                  <a:cs typeface="Courier New" pitchFamily="49" charset="0"/>
+                                </a:rPr>
+                                <m:t>𝑎</m:t>
+                              </m:r>
+                            </m:e>
+                            <m:sup>
+                              <m:r>
+                                <a:rPr lang="en-US" altLang="ja-JP" sz="1050" b="0" i="1" smtClean="0">
+                                  <a:latin typeface="Cambria Math"/>
+                                  <a:ea typeface="HG丸ｺﾞｼｯｸM-PRO" panose="020F0600000000000000" pitchFamily="50" charset="-128"/>
+                                  <a:cs typeface="Courier New" pitchFamily="49" charset="0"/>
+                                </a:rPr>
+                                <m:t>′</m:t>
+                              </m:r>
+                            </m:sup>
+                          </m:sSup>
+                        </m:sup>
+                      </m:sSup>
+                    </m:oMath>
+                  </m:oMathPara>
+                </a14:m>
+                <a:endParaRPr lang="ja-JP" altLang="en-US" sz="1050">
+                  <a:latin typeface="HG丸ｺﾞｼｯｸM-PRO" panose="020F0600000000000000" pitchFamily="50" charset="-128"/>
+                  <a:ea typeface="HG丸ｺﾞｼｯｸM-PRO" panose="020F0600000000000000" pitchFamily="50" charset="-128"/>
+                  <a:cs typeface="Courier New" pitchFamily="49" charset="0"/>
+                </a:endParaRPr>
+              </a:p>
+            </p:txBody>
+          </p:sp>
+        </mc:Choice>
+        <mc:Fallback xmlns="">
+          <p:sp>
+            <p:nvSpPr>
+              <p:cNvPr id="30" name="テキスト ボックス 29"/>
+              <p:cNvSpPr txBox="1">
+                <a:spLocks noRot="1" noChangeAspect="1" noMove="1" noResize="1" noEditPoints="1" noAdjustHandles="1" noChangeArrowheads="1" noChangeShapeType="1" noTextEdit="1"/>
+              </p:cNvSpPr>
+              <p:nvPr/>
+            </p:nvSpPr>
+            <p:spPr>
+              <a:xfrm>
+                <a:off x="53856" y="2507382"/>
+                <a:ext cx="936000" cy="275973"/>
+              </a:xfrm>
+              <a:prstGeom prst="rect">
+                <a:avLst/>
+              </a:prstGeom>
+              <a:blipFill rotWithShape="1">
+                <a:blip r:embed="rId7"/>
+                <a:stretch>
+                  <a:fillRect/>
+                </a:stretch>
+              </a:blipFill>
+              <a:ln w="12700" cap="rnd">
+                <a:noFill/>
+                <a:prstDash val="sysDash"/>
+              </a:ln>
+            </p:spPr>
+            <p:txBody>
+              <a:bodyPr/>
+              <a:lstStyle/>
+              <a:p>
+                <a:r>
+                  <a:rPr lang="ja-JP" altLang="en-US">
+                    <a:noFill/>
+                  </a:rPr>
+                  <a:t> </a:t>
+                </a:r>
+              </a:p>
+            </p:txBody>
+          </p:sp>
+        </mc:Fallback>
+      </mc:AlternateContent>
       <p:sp>
         <p:nvSpPr>
-          <p:cNvPr id="49" name="円/楕円 48"/>
+          <p:cNvPr id="27" name="円/楕円 26"/>
           <p:cNvSpPr/>
           <p:nvPr/>
         </p:nvSpPr>
         <p:spPr>
           <a:xfrm>
-            <a:off x="434969" y="2999903"/>
-            <a:ext cx="290284" cy="295630"/>
+            <a:off x="341784" y="2939430"/>
+            <a:ext cx="269328" cy="255732"/>
           </a:xfrm>
           <a:prstGeom prst="ellipse">
             <a:avLst/>
@@ -3129,419 +3536,10 @@
           <a:lstStyle/>
           <a:p>
             <a:pPr algn="ctr"/>
-            <a:endParaRPr kumimoji="1" lang="ja-JP" altLang="en-US" sz="1200"/>
+            <a:endParaRPr kumimoji="1" lang="ja-JP" altLang="en-US" sz="1050"/>
           </a:p>
         </p:txBody>
       </p:sp>
-      <mc:AlternateContent xmlns:mc="http://schemas.openxmlformats.org/markup-compatibility/2006">
-        <mc:Choice xmlns:a14="http://schemas.microsoft.com/office/drawing/2010/main" Requires="a14">
-          <p:sp>
-            <p:nvSpPr>
-              <p:cNvPr id="22" name="テキスト ボックス 21"/>
-              <p:cNvSpPr txBox="1"/>
-              <p:nvPr/>
-            </p:nvSpPr>
-            <p:spPr>
-              <a:xfrm>
-                <a:off x="3421496" y="1746846"/>
-                <a:ext cx="936000" cy="280333"/>
-              </a:xfrm>
-              <a:prstGeom prst="rect">
-                <a:avLst/>
-              </a:prstGeom>
-              <a:noFill/>
-              <a:ln w="12700" cap="rnd">
-                <a:noFill/>
-                <a:prstDash val="sysDash"/>
-              </a:ln>
-            </p:spPr>
-            <p:txBody>
-              <a:bodyPr wrap="square" rtlCol="0">
-                <a:spAutoFit/>
-              </a:bodyPr>
-              <a:lstStyle/>
-              <a:p>
-                <a:pPr/>
-                <a14:m>
-                  <m:oMathPara xmlns:m="http://schemas.openxmlformats.org/officeDocument/2006/math">
-                    <m:oMathParaPr>
-                      <m:jc m:val="centerGroup"/>
-                    </m:oMathParaPr>
-                    <m:oMath xmlns:m="http://schemas.openxmlformats.org/officeDocument/2006/math">
-                      <m:sSup>
-                        <m:sSupPr>
-                          <m:ctrlPr>
-                            <a:rPr lang="en-US" altLang="ja-JP" sz="1200" b="0" i="1" smtClean="0">
-                              <a:latin typeface="Cambria Math"/>
-                              <a:ea typeface="HG丸ｺﾞｼｯｸM-PRO" panose="020F0600000000000000" pitchFamily="50" charset="-128"/>
-                              <a:cs typeface="Courier New" pitchFamily="49" charset="0"/>
-                            </a:rPr>
-                          </m:ctrlPr>
-                        </m:sSupPr>
-                        <m:e>
-                          <m:r>
-                            <a:rPr lang="en-US" altLang="ja-JP" sz="1200" b="0" i="1" smtClean="0">
-                              <a:latin typeface="Cambria Math"/>
-                              <a:ea typeface="HG丸ｺﾞｼｯｸM-PRO" panose="020F0600000000000000" pitchFamily="50" charset="-128"/>
-                              <a:cs typeface="Courier New" pitchFamily="49" charset="0"/>
-                            </a:rPr>
-                            <m:t>𝑔</m:t>
-                          </m:r>
-                        </m:e>
-                        <m:sup>
-                          <m:r>
-                            <a:rPr lang="en-US" altLang="ja-JP" sz="1200" b="0" i="1" smtClean="0">
-                              <a:latin typeface="Cambria Math"/>
-                              <a:ea typeface="HG丸ｺﾞｼｯｸM-PRO" panose="020F0600000000000000" pitchFamily="50" charset="-128"/>
-                              <a:cs typeface="Courier New" pitchFamily="49" charset="0"/>
-                            </a:rPr>
-                            <m:t>𝑏</m:t>
-                          </m:r>
-                        </m:sup>
-                      </m:sSup>
-                    </m:oMath>
-                  </m:oMathPara>
-                </a14:m>
-                <a:endParaRPr lang="ja-JP" altLang="en-US" sz="1200">
-                  <a:latin typeface="HG丸ｺﾞｼｯｸM-PRO" panose="020F0600000000000000" pitchFamily="50" charset="-128"/>
-                  <a:ea typeface="HG丸ｺﾞｼｯｸM-PRO" panose="020F0600000000000000" pitchFamily="50" charset="-128"/>
-                  <a:cs typeface="Courier New" pitchFamily="49" charset="0"/>
-                </a:endParaRPr>
-              </a:p>
-            </p:txBody>
-          </p:sp>
-        </mc:Choice>
-        <mc:Fallback>
-          <p:sp>
-            <p:nvSpPr>
-              <p:cNvPr id="22" name="テキスト ボックス 21"/>
-              <p:cNvSpPr txBox="1">
-                <a:spLocks noRot="1" noChangeAspect="1" noMove="1" noResize="1" noEditPoints="1" noAdjustHandles="1" noChangeArrowheads="1" noChangeShapeType="1" noTextEdit="1"/>
-              </p:cNvSpPr>
-              <p:nvPr/>
-            </p:nvSpPr>
-            <p:spPr>
-              <a:xfrm>
-                <a:off x="3421496" y="1746846"/>
-                <a:ext cx="936000" cy="280333"/>
-              </a:xfrm>
-              <a:prstGeom prst="rect">
-                <a:avLst/>
-              </a:prstGeom>
-              <a:blipFill rotWithShape="1">
-                <a:blip r:embed="rId5"/>
-                <a:stretch>
-                  <a:fillRect/>
-                </a:stretch>
-              </a:blipFill>
-              <a:ln w="12700" cap="rnd">
-                <a:noFill/>
-                <a:prstDash val="sysDash"/>
-              </a:ln>
-            </p:spPr>
-            <p:txBody>
-              <a:bodyPr/>
-              <a:lstStyle/>
-              <a:p>
-                <a:r>
-                  <a:rPr lang="ja-JP" altLang="en-US">
-                    <a:noFill/>
-                  </a:rPr>
-                  <a:t> </a:t>
-                </a:r>
-              </a:p>
-            </p:txBody>
-          </p:sp>
-        </mc:Fallback>
-      </mc:AlternateContent>
-      <mc:AlternateContent xmlns:mc="http://schemas.openxmlformats.org/markup-compatibility/2006">
-        <mc:Choice xmlns:a14="http://schemas.microsoft.com/office/drawing/2010/main" Requires="a14">
-          <p:sp>
-            <p:nvSpPr>
-              <p:cNvPr id="29" name="テキスト ボックス 28"/>
-              <p:cNvSpPr txBox="1"/>
-              <p:nvPr/>
-            </p:nvSpPr>
-            <p:spPr>
-              <a:xfrm>
-                <a:off x="3438232" y="2507382"/>
-                <a:ext cx="936000" cy="302199"/>
-              </a:xfrm>
-              <a:prstGeom prst="rect">
-                <a:avLst/>
-              </a:prstGeom>
-              <a:noFill/>
-              <a:ln w="12700" cap="rnd">
-                <a:noFill/>
-                <a:prstDash val="sysDash"/>
-              </a:ln>
-            </p:spPr>
-            <p:txBody>
-              <a:bodyPr wrap="square" rtlCol="0">
-                <a:spAutoFit/>
-              </a:bodyPr>
-              <a:lstStyle/>
-              <a:p>
-                <a:pPr/>
-                <a14:m>
-                  <m:oMathPara xmlns:m="http://schemas.openxmlformats.org/officeDocument/2006/math">
-                    <m:oMathParaPr>
-                      <m:jc m:val="centerGroup"/>
-                    </m:oMathParaPr>
-                    <m:oMath xmlns:m="http://schemas.openxmlformats.org/officeDocument/2006/math">
-                      <m:sSup>
-                        <m:sSupPr>
-                          <m:ctrlPr>
-                            <a:rPr lang="en-US" altLang="ja-JP" sz="1200" b="0" i="1" smtClean="0">
-                              <a:latin typeface="Cambria Math"/>
-                              <a:ea typeface="HG丸ｺﾞｼｯｸM-PRO" panose="020F0600000000000000" pitchFamily="50" charset="-128"/>
-                              <a:cs typeface="Courier New" pitchFamily="49" charset="0"/>
-                            </a:rPr>
-                          </m:ctrlPr>
-                        </m:sSupPr>
-                        <m:e>
-                          <m:r>
-                            <a:rPr lang="en-US" altLang="ja-JP" sz="1200" b="0" i="1" smtClean="0">
-                              <a:latin typeface="Cambria Math"/>
-                              <a:ea typeface="HG丸ｺﾞｼｯｸM-PRO" panose="020F0600000000000000" pitchFamily="50" charset="-128"/>
-                              <a:cs typeface="Courier New" pitchFamily="49" charset="0"/>
-                            </a:rPr>
-                            <m:t>𝑔</m:t>
-                          </m:r>
-                        </m:e>
-                        <m:sup>
-                          <m:sSup>
-                            <m:sSupPr>
-                              <m:ctrlPr>
-                                <a:rPr lang="en-US" altLang="ja-JP" sz="1200" b="0" i="1" smtClean="0">
-                                  <a:latin typeface="Cambria Math"/>
-                                  <a:ea typeface="HG丸ｺﾞｼｯｸM-PRO" panose="020F0600000000000000" pitchFamily="50" charset="-128"/>
-                                  <a:cs typeface="Courier New" pitchFamily="49" charset="0"/>
-                                </a:rPr>
-                              </m:ctrlPr>
-                            </m:sSupPr>
-                            <m:e>
-                              <m:r>
-                                <a:rPr lang="en-US" altLang="ja-JP" sz="1200" b="0" i="1" smtClean="0">
-                                  <a:latin typeface="Cambria Math"/>
-                                  <a:ea typeface="HG丸ｺﾞｼｯｸM-PRO" panose="020F0600000000000000" pitchFamily="50" charset="-128"/>
-                                  <a:cs typeface="Courier New" pitchFamily="49" charset="0"/>
-                                </a:rPr>
-                                <m:t>𝑏</m:t>
-                              </m:r>
-                            </m:e>
-                            <m:sup>
-                              <m:r>
-                                <a:rPr lang="en-US" altLang="ja-JP" sz="1200" b="0" i="1" smtClean="0">
-                                  <a:latin typeface="Cambria Math"/>
-                                  <a:ea typeface="HG丸ｺﾞｼｯｸM-PRO" panose="020F0600000000000000" pitchFamily="50" charset="-128"/>
-                                  <a:cs typeface="Courier New" pitchFamily="49" charset="0"/>
-                                </a:rPr>
-                                <m:t>′</m:t>
-                              </m:r>
-                            </m:sup>
-                          </m:sSup>
-                        </m:sup>
-                      </m:sSup>
-                    </m:oMath>
-                  </m:oMathPara>
-                </a14:m>
-                <a:endParaRPr lang="ja-JP" altLang="en-US" sz="1200">
-                  <a:latin typeface="HG丸ｺﾞｼｯｸM-PRO" panose="020F0600000000000000" pitchFamily="50" charset="-128"/>
-                  <a:ea typeface="HG丸ｺﾞｼｯｸM-PRO" panose="020F0600000000000000" pitchFamily="50" charset="-128"/>
-                  <a:cs typeface="Courier New" pitchFamily="49" charset="0"/>
-                </a:endParaRPr>
-              </a:p>
-            </p:txBody>
-          </p:sp>
-        </mc:Choice>
-        <mc:Fallback>
-          <p:sp>
-            <p:nvSpPr>
-              <p:cNvPr id="29" name="テキスト ボックス 28"/>
-              <p:cNvSpPr txBox="1">
-                <a:spLocks noRot="1" noChangeAspect="1" noMove="1" noResize="1" noEditPoints="1" noAdjustHandles="1" noChangeArrowheads="1" noChangeShapeType="1" noTextEdit="1"/>
-              </p:cNvSpPr>
-              <p:nvPr/>
-            </p:nvSpPr>
-            <p:spPr>
-              <a:xfrm>
-                <a:off x="3438232" y="2507382"/>
-                <a:ext cx="936000" cy="302199"/>
-              </a:xfrm>
-              <a:prstGeom prst="rect">
-                <a:avLst/>
-              </a:prstGeom>
-              <a:blipFill rotWithShape="1">
-                <a:blip r:embed="rId6"/>
-                <a:stretch>
-                  <a:fillRect/>
-                </a:stretch>
-              </a:blipFill>
-              <a:ln w="12700" cap="rnd">
-                <a:noFill/>
-                <a:prstDash val="sysDash"/>
-              </a:ln>
-            </p:spPr>
-            <p:txBody>
-              <a:bodyPr/>
-              <a:lstStyle/>
-              <a:p>
-                <a:r>
-                  <a:rPr lang="ja-JP" altLang="en-US">
-                    <a:noFill/>
-                  </a:rPr>
-                  <a:t> </a:t>
-                </a:r>
-              </a:p>
-            </p:txBody>
-          </p:sp>
-        </mc:Fallback>
-      </mc:AlternateContent>
-      <mc:AlternateContent xmlns:mc="http://schemas.openxmlformats.org/markup-compatibility/2006">
-        <mc:Choice xmlns:a14="http://schemas.microsoft.com/office/drawing/2010/main" Requires="a14">
-          <p:sp>
-            <p:nvSpPr>
-              <p:cNvPr id="30" name="テキスト ボックス 29"/>
-              <p:cNvSpPr txBox="1"/>
-              <p:nvPr/>
-            </p:nvSpPr>
-            <p:spPr>
-              <a:xfrm>
-                <a:off x="53856" y="2507382"/>
-                <a:ext cx="936000" cy="302199"/>
-              </a:xfrm>
-              <a:prstGeom prst="rect">
-                <a:avLst/>
-              </a:prstGeom>
-              <a:noFill/>
-              <a:ln w="12700" cap="rnd">
-                <a:noFill/>
-                <a:prstDash val="sysDash"/>
-              </a:ln>
-            </p:spPr>
-            <p:txBody>
-              <a:bodyPr wrap="square" rtlCol="0">
-                <a:spAutoFit/>
-              </a:bodyPr>
-              <a:lstStyle/>
-              <a:p>
-                <a:pPr/>
-                <a14:m>
-                  <m:oMathPara xmlns:m="http://schemas.openxmlformats.org/officeDocument/2006/math">
-                    <m:oMathParaPr>
-                      <m:jc m:val="centerGroup"/>
-                    </m:oMathParaPr>
-                    <m:oMath xmlns:m="http://schemas.openxmlformats.org/officeDocument/2006/math">
-                      <m:sSup>
-                        <m:sSupPr>
-                          <m:ctrlPr>
-                            <a:rPr lang="en-US" altLang="ja-JP" sz="1200" b="0" i="1" smtClean="0">
-                              <a:latin typeface="Cambria Math"/>
-                              <a:ea typeface="HG丸ｺﾞｼｯｸM-PRO" panose="020F0600000000000000" pitchFamily="50" charset="-128"/>
-                              <a:cs typeface="Courier New" pitchFamily="49" charset="0"/>
-                            </a:rPr>
-                          </m:ctrlPr>
-                        </m:sSupPr>
-                        <m:e>
-                          <m:r>
-                            <a:rPr lang="en-US" altLang="ja-JP" sz="1200" b="0" i="1" smtClean="0">
-                              <a:latin typeface="Cambria Math"/>
-                              <a:ea typeface="HG丸ｺﾞｼｯｸM-PRO" panose="020F0600000000000000" pitchFamily="50" charset="-128"/>
-                              <a:cs typeface="Courier New" pitchFamily="49" charset="0"/>
-                            </a:rPr>
-                            <m:t>𝑔</m:t>
-                          </m:r>
-                        </m:e>
-                        <m:sup>
-                          <m:sSup>
-                            <m:sSupPr>
-                              <m:ctrlPr>
-                                <a:rPr lang="en-US" altLang="ja-JP" sz="1200" b="0" i="1" smtClean="0">
-                                  <a:latin typeface="Cambria Math"/>
-                                  <a:ea typeface="HG丸ｺﾞｼｯｸM-PRO" panose="020F0600000000000000" pitchFamily="50" charset="-128"/>
-                                  <a:cs typeface="Courier New" pitchFamily="49" charset="0"/>
-                                </a:rPr>
-                              </m:ctrlPr>
-                            </m:sSupPr>
-                            <m:e>
-                              <m:r>
-                                <a:rPr lang="en-US" altLang="ja-JP" sz="1200" b="0" i="1" smtClean="0">
-                                  <a:latin typeface="Cambria Math"/>
-                                  <a:ea typeface="HG丸ｺﾞｼｯｸM-PRO" panose="020F0600000000000000" pitchFamily="50" charset="-128"/>
-                                  <a:cs typeface="Courier New" pitchFamily="49" charset="0"/>
-                                </a:rPr>
-                                <m:t>𝑎</m:t>
-                              </m:r>
-                            </m:e>
-                            <m:sup>
-                              <m:r>
-                                <a:rPr lang="en-US" altLang="ja-JP" sz="1200" b="0" i="1" smtClean="0">
-                                  <a:latin typeface="Cambria Math"/>
-                                  <a:ea typeface="HG丸ｺﾞｼｯｸM-PRO" panose="020F0600000000000000" pitchFamily="50" charset="-128"/>
-                                  <a:cs typeface="Courier New" pitchFamily="49" charset="0"/>
-                                </a:rPr>
-                                <m:t>′</m:t>
-                              </m:r>
-                            </m:sup>
-                          </m:sSup>
-                        </m:sup>
-                      </m:sSup>
-                    </m:oMath>
-                  </m:oMathPara>
-                </a14:m>
-                <a:endParaRPr lang="ja-JP" altLang="en-US" sz="1200">
-                  <a:latin typeface="HG丸ｺﾞｼｯｸM-PRO" panose="020F0600000000000000" pitchFamily="50" charset="-128"/>
-                  <a:ea typeface="HG丸ｺﾞｼｯｸM-PRO" panose="020F0600000000000000" pitchFamily="50" charset="-128"/>
-                  <a:cs typeface="Courier New" pitchFamily="49" charset="0"/>
-                </a:endParaRPr>
-              </a:p>
-            </p:txBody>
-          </p:sp>
-        </mc:Choice>
-        <mc:Fallback>
-          <p:sp>
-            <p:nvSpPr>
-              <p:cNvPr id="30" name="テキスト ボックス 29"/>
-              <p:cNvSpPr txBox="1">
-                <a:spLocks noRot="1" noChangeAspect="1" noMove="1" noResize="1" noEditPoints="1" noAdjustHandles="1" noChangeArrowheads="1" noChangeShapeType="1" noTextEdit="1"/>
-              </p:cNvSpPr>
-              <p:nvPr/>
-            </p:nvSpPr>
-            <p:spPr>
-              <a:xfrm>
-                <a:off x="53856" y="2507382"/>
-                <a:ext cx="936000" cy="302199"/>
-              </a:xfrm>
-              <a:prstGeom prst="rect">
-                <a:avLst/>
-              </a:prstGeom>
-              <a:blipFill rotWithShape="1">
-                <a:blip r:embed="rId7"/>
-                <a:stretch>
-                  <a:fillRect/>
-                </a:stretch>
-              </a:blipFill>
-              <a:ln w="12700" cap="rnd">
-                <a:noFill/>
-                <a:prstDash val="sysDash"/>
-              </a:ln>
-            </p:spPr>
-            <p:txBody>
-              <a:bodyPr/>
-              <a:lstStyle/>
-              <a:p>
-                <a:r>
-                  <a:rPr lang="ja-JP" altLang="en-US">
-                    <a:noFill/>
-                  </a:rPr>
-                  <a:t> </a:t>
-                </a:r>
-              </a:p>
-            </p:txBody>
-          </p:sp>
-        </mc:Fallback>
-      </mc:AlternateContent>
     </p:spTree>
     <p:extLst>
       <p:ext uri="{BB962C8B-B14F-4D97-AF65-F5344CB8AC3E}">
